--- a/Lecture Slides/20 js canvas charts.pptx
+++ b/Lecture Slides/20 js canvas charts.pptx
@@ -3749,31 +3749,49 @@
       </p:sp>
       <p:pic>
         <p:nvPicPr>
-          <p:cNvPr id="4" name="Picture 3">
+          <p:cNvPr id="1026" name="Picture 2" descr="14 by 14 axes">
             <a:extLst>
               <a:ext uri="{FF2B5EF4-FFF2-40B4-BE49-F238E27FC236}">
-                <a16:creationId xmlns:a16="http://schemas.microsoft.com/office/drawing/2014/main" id="{F7A7B9BC-A053-4A0B-8D7D-992547F25239}"/>
+                <a16:creationId xmlns:a16="http://schemas.microsoft.com/office/drawing/2014/main" id="{37054698-702A-47CF-8F91-4C0CD7B94153}"/>
               </a:ext>
             </a:extLst>
           </p:cNvPr>
           <p:cNvPicPr>
-            <a:picLocks noChangeAspect="1"/>
+            <a:picLocks noChangeAspect="1" noChangeArrowheads="1"/>
           </p:cNvPicPr>
           <p:nvPr/>
         </p:nvPicPr>
-        <p:blipFill rotWithShape="1">
-          <a:blip r:embed="rId2"/>
-          <a:srcRect l="51850" t="53815" r="26159" b="25492"/>
-          <a:stretch/>
+        <p:blipFill>
+          <a:blip r:embed="rId2">
+            <a:extLst>
+              <a:ext uri="{28A0092B-C50C-407E-A947-70E740481C1C}">
+                <a14:useLocalDpi xmlns:a14="http://schemas.microsoft.com/office/drawing/2010/main" val="0"/>
+              </a:ext>
+            </a:extLst>
+          </a:blip>
+          <a:srcRect/>
+          <a:stretch>
+            <a:fillRect/>
+          </a:stretch>
         </p:blipFill>
-        <p:spPr>
+        <p:spPr bwMode="auto">
           <a:xfrm>
-            <a:off x="6388146" y="4018843"/>
-            <a:ext cx="2717769" cy="2602089"/>
+            <a:off x="4692700" y="1493274"/>
+            <a:ext cx="2876550" cy="2714625"/>
           </a:xfrm>
           <a:prstGeom prst="rect">
             <a:avLst/>
           </a:prstGeom>
+          <a:noFill/>
+          <a:extLst>
+            <a:ext uri="{909E8E84-426E-40DD-AFC4-6F175D3DCCD1}">
+              <a14:hiddenFill xmlns:a14="http://schemas.microsoft.com/office/drawing/2010/main">
+                <a:solidFill>
+                  <a:srgbClr val="FFFFFF"/>
+                </a:solidFill>
+              </a14:hiddenFill>
+            </a:ext>
+          </a:extLst>
         </p:spPr>
       </p:pic>
       <p:pic>
@@ -3811,6 +3829,60 @@
           </a:ln>
         </p:spPr>
       </p:pic>
+      <p:sp>
+        <p:nvSpPr>
+          <p:cNvPr id="3" name="Rectangle 2">
+            <a:extLst>
+              <a:ext uri="{FF2B5EF4-FFF2-40B4-BE49-F238E27FC236}">
+                <a16:creationId xmlns:a16="http://schemas.microsoft.com/office/drawing/2014/main" id="{1BA25E2B-C71D-497F-8458-03EA2258C834}"/>
+              </a:ext>
+            </a:extLst>
+          </p:cNvPr>
+          <p:cNvSpPr/>
+          <p:nvPr/>
+        </p:nvSpPr>
+        <p:spPr>
+          <a:xfrm rot="2670363">
+            <a:off x="7090968" y="3740088"/>
+            <a:ext cx="900000" cy="900000"/>
+          </a:xfrm>
+          <a:prstGeom prst="rect">
+            <a:avLst/>
+          </a:prstGeom>
+          <a:solidFill>
+            <a:srgbClr val="0070C0">
+              <a:alpha val="69804"/>
+            </a:srgbClr>
+          </a:solidFill>
+          <a:ln>
+            <a:noFill/>
+          </a:ln>
+        </p:spPr>
+        <p:style>
+          <a:lnRef idx="2">
+            <a:schemeClr val="accent1">
+              <a:shade val="50000"/>
+            </a:schemeClr>
+          </a:lnRef>
+          <a:fillRef idx="1">
+            <a:schemeClr val="accent1"/>
+          </a:fillRef>
+          <a:effectRef idx="0">
+            <a:schemeClr val="accent1"/>
+          </a:effectRef>
+          <a:fontRef idx="minor">
+            <a:schemeClr val="lt1"/>
+          </a:fontRef>
+        </p:style>
+        <p:txBody>
+          <a:bodyPr rtlCol="0" anchor="ctr"/>
+          <a:lstStyle/>
+          <a:p>
+            <a:pPr algn="ctr"/>
+            <a:endParaRPr lang="en-GB" dirty="0"/>
+          </a:p>
+        </p:txBody>
+      </p:sp>
     </p:spTree>
     <p:extLst>
       <p:ext uri="{BB962C8B-B14F-4D97-AF65-F5344CB8AC3E}">
@@ -3821,6 +3893,207 @@
   <p:clrMapOvr>
     <a:masterClrMapping/>
   </p:clrMapOvr>
+  <p:timing>
+    <p:tnLst>
+      <p:par>
+        <p:cTn id="1" dur="indefinite" restart="never" nodeType="tmRoot">
+          <p:childTnLst>
+            <p:seq concurrent="1" nextAc="seek">
+              <p:cTn id="2" dur="indefinite" nodeType="mainSeq">
+                <p:childTnLst>
+                  <p:par>
+                    <p:cTn id="3" fill="hold">
+                      <p:stCondLst>
+                        <p:cond delay="indefinite"/>
+                      </p:stCondLst>
+                      <p:childTnLst>
+                        <p:par>
+                          <p:cTn id="4" fill="hold">
+                            <p:stCondLst>
+                              <p:cond delay="0"/>
+                            </p:stCondLst>
+                            <p:childTnLst>
+                              <p:par>
+                                <p:cTn id="5" presetID="49" presetClass="path" presetSubtype="0" accel="50000" decel="50000" fill="hold" nodeType="clickEffect">
+                                  <p:stCondLst>
+                                    <p:cond delay="0"/>
+                                  </p:stCondLst>
+                                  <p:childTnLst>
+                                    <p:animMotion origin="layout" path="M 3.88889E-6 -7.40741E-7 L 0.15729 0.19792 " pathEditMode="relative" rAng="0" ptsTypes="AA">
+                                      <p:cBhvr>
+                                        <p:cTn id="6" dur="2000" fill="hold"/>
+                                        <p:tgtEl>
+                                          <p:spTgt spid="1026"/>
+                                        </p:tgtEl>
+                                        <p:attrNameLst>
+                                          <p:attrName>ppt_x</p:attrName>
+                                          <p:attrName>ppt_y</p:attrName>
+                                        </p:attrNameLst>
+                                      </p:cBhvr>
+                                      <p:rCtr x="7865" y="9884"/>
+                                    </p:animMotion>
+                                  </p:childTnLst>
+                                </p:cTn>
+                              </p:par>
+                            </p:childTnLst>
+                          </p:cTn>
+                        </p:par>
+                      </p:childTnLst>
+                    </p:cTn>
+                  </p:par>
+                  <p:par>
+                    <p:cTn id="7" fill="hold">
+                      <p:stCondLst>
+                        <p:cond delay="indefinite"/>
+                      </p:stCondLst>
+                      <p:childTnLst>
+                        <p:par>
+                          <p:cTn id="8" fill="hold">
+                            <p:stCondLst>
+                              <p:cond delay="0"/>
+                            </p:stCondLst>
+                            <p:childTnLst>
+                              <p:par>
+                                <p:cTn id="9" presetID="8" presetClass="emph" presetSubtype="0" fill="hold" nodeType="clickEffect">
+                                  <p:stCondLst>
+                                    <p:cond delay="0"/>
+                                  </p:stCondLst>
+                                  <p:childTnLst>
+                                    <p:animRot by="2700000">
+                                      <p:cBhvr>
+                                        <p:cTn id="10" dur="2000" fill="hold"/>
+                                        <p:tgtEl>
+                                          <p:spTgt spid="1026"/>
+                                        </p:tgtEl>
+                                        <p:attrNameLst>
+                                          <p:attrName>r</p:attrName>
+                                        </p:attrNameLst>
+                                      </p:cBhvr>
+                                    </p:animRot>
+                                  </p:childTnLst>
+                                </p:cTn>
+                              </p:par>
+                            </p:childTnLst>
+                          </p:cTn>
+                        </p:par>
+                      </p:childTnLst>
+                    </p:cTn>
+                  </p:par>
+                  <p:par>
+                    <p:cTn id="11" fill="hold">
+                      <p:stCondLst>
+                        <p:cond delay="indefinite"/>
+                      </p:stCondLst>
+                      <p:childTnLst>
+                        <p:par>
+                          <p:cTn id="12" fill="hold">
+                            <p:stCondLst>
+                              <p:cond delay="0"/>
+                            </p:stCondLst>
+                            <p:childTnLst>
+                              <p:par>
+                                <p:cTn id="13" presetID="1" presetClass="entr" presetSubtype="0" fill="hold" grpId="0" nodeType="clickEffect">
+                                  <p:stCondLst>
+                                    <p:cond delay="0"/>
+                                  </p:stCondLst>
+                                  <p:childTnLst>
+                                    <p:set>
+                                      <p:cBhvr>
+                                        <p:cTn id="14" dur="1" fill="hold">
+                                          <p:stCondLst>
+                                            <p:cond delay="0"/>
+                                          </p:stCondLst>
+                                        </p:cTn>
+                                        <p:tgtEl>
+                                          <p:spTgt spid="3"/>
+                                        </p:tgtEl>
+                                        <p:attrNameLst>
+                                          <p:attrName>style.visibility</p:attrName>
+                                        </p:attrNameLst>
+                                      </p:cBhvr>
+                                      <p:to>
+                                        <p:strVal val="visible"/>
+                                      </p:to>
+                                    </p:set>
+                                  </p:childTnLst>
+                                </p:cTn>
+                              </p:par>
+                            </p:childTnLst>
+                          </p:cTn>
+                        </p:par>
+                      </p:childTnLst>
+                    </p:cTn>
+                  </p:par>
+                  <p:par>
+                    <p:cTn id="15" fill="hold">
+                      <p:stCondLst>
+                        <p:cond delay="indefinite"/>
+                      </p:stCondLst>
+                      <p:childTnLst>
+                        <p:par>
+                          <p:cTn id="16" fill="hold">
+                            <p:stCondLst>
+                              <p:cond delay="0"/>
+                            </p:stCondLst>
+                            <p:childTnLst>
+                              <p:par>
+                                <p:cTn id="17" presetID="1" presetClass="exit" presetSubtype="0" fill="hold" nodeType="clickEffect">
+                                  <p:stCondLst>
+                                    <p:cond delay="0"/>
+                                  </p:stCondLst>
+                                  <p:childTnLst>
+                                    <p:set>
+                                      <p:cBhvr>
+                                        <p:cTn id="18" dur="1" fill="hold">
+                                          <p:stCondLst>
+                                            <p:cond delay="0"/>
+                                          </p:stCondLst>
+                                        </p:cTn>
+                                        <p:tgtEl>
+                                          <p:spTgt spid="1026"/>
+                                        </p:tgtEl>
+                                        <p:attrNameLst>
+                                          <p:attrName>style.visibility</p:attrName>
+                                        </p:attrNameLst>
+                                      </p:cBhvr>
+                                      <p:to>
+                                        <p:strVal val="hidden"/>
+                                      </p:to>
+                                    </p:set>
+                                  </p:childTnLst>
+                                </p:cTn>
+                              </p:par>
+                            </p:childTnLst>
+                          </p:cTn>
+                        </p:par>
+                      </p:childTnLst>
+                    </p:cTn>
+                  </p:par>
+                </p:childTnLst>
+              </p:cTn>
+              <p:prevCondLst>
+                <p:cond evt="onPrev" delay="0">
+                  <p:tgtEl>
+                    <p:sldTgt/>
+                  </p:tgtEl>
+                </p:cond>
+              </p:prevCondLst>
+              <p:nextCondLst>
+                <p:cond evt="onNext" delay="0">
+                  <p:tgtEl>
+                    <p:sldTgt/>
+                  </p:tgtEl>
+                </p:cond>
+              </p:nextCondLst>
+            </p:seq>
+          </p:childTnLst>
+        </p:cTn>
+      </p:par>
+    </p:tnLst>
+    <p:bldLst>
+      <p:bldP spid="3" grpId="0" animBg="1"/>
+    </p:bldLst>
+  </p:timing>
 </p:sld>
 </file>
 
@@ -4189,6 +4462,246 @@
           </a:ln>
         </p:spPr>
       </p:pic>
+      <p:grpSp>
+        <p:nvGrpSpPr>
+          <p:cNvPr id="10" name="Group 9">
+            <a:extLst>
+              <a:ext uri="{FF2B5EF4-FFF2-40B4-BE49-F238E27FC236}">
+                <a16:creationId xmlns:a16="http://schemas.microsoft.com/office/drawing/2014/main" id="{CB848515-AF11-4F93-8803-C3C801F18940}"/>
+              </a:ext>
+            </a:extLst>
+          </p:cNvPr>
+          <p:cNvGrpSpPr/>
+          <p:nvPr/>
+        </p:nvGrpSpPr>
+        <p:grpSpPr>
+          <a:xfrm>
+            <a:off x="6046470" y="2194560"/>
+            <a:ext cx="2289680" cy="1754326"/>
+            <a:chOff x="6046470" y="2194560"/>
+            <a:chExt cx="2289680" cy="1754326"/>
+          </a:xfrm>
+        </p:grpSpPr>
+        <p:sp>
+          <p:nvSpPr>
+            <p:cNvPr id="3" name="TextBox 2">
+              <a:extLst>
+                <a:ext uri="{FF2B5EF4-FFF2-40B4-BE49-F238E27FC236}">
+                  <a16:creationId xmlns:a16="http://schemas.microsoft.com/office/drawing/2014/main" id="{2C69ECFB-C36D-49C3-8EA8-6230BA239A14}"/>
+                </a:ext>
+              </a:extLst>
+            </p:cNvPr>
+            <p:cNvSpPr txBox="1"/>
+            <p:nvPr/>
+          </p:nvSpPr>
+          <p:spPr>
+            <a:xfrm>
+              <a:off x="6938010" y="2194560"/>
+              <a:ext cx="1398140" cy="1754326"/>
+            </a:xfrm>
+            <a:prstGeom prst="rect">
+              <a:avLst/>
+            </a:prstGeom>
+            <a:noFill/>
+          </p:spPr>
+          <p:txBody>
+            <a:bodyPr wrap="none" rtlCol="0">
+              <a:spAutoFit/>
+            </a:bodyPr>
+            <a:lstStyle/>
+            <a:p>
+              <a:r>
+                <a:rPr lang="en-GB" dirty="0">
+                  <a:solidFill>
+                    <a:schemeClr val="bg1"/>
+                  </a:solidFill>
+                </a:rPr>
+                <a:t>Centre X</a:t>
+              </a:r>
+            </a:p>
+            <a:p>
+              <a:r>
+                <a:rPr lang="en-GB" dirty="0">
+                  <a:solidFill>
+                    <a:schemeClr val="bg1"/>
+                  </a:solidFill>
+                </a:rPr>
+                <a:t>Centre Y</a:t>
+              </a:r>
+            </a:p>
+            <a:p>
+              <a:r>
+                <a:rPr lang="en-GB" dirty="0">
+                  <a:solidFill>
+                    <a:schemeClr val="bg1"/>
+                  </a:solidFill>
+                </a:rPr>
+                <a:t>Radius</a:t>
+              </a:r>
+            </a:p>
+            <a:p>
+              <a:r>
+                <a:rPr lang="en-GB" dirty="0">
+                  <a:solidFill>
+                    <a:schemeClr val="bg1"/>
+                  </a:solidFill>
+                </a:rPr>
+                <a:t>Start angle</a:t>
+              </a:r>
+            </a:p>
+            <a:p>
+              <a:r>
+                <a:rPr lang="en-GB" dirty="0">
+                  <a:solidFill>
+                    <a:schemeClr val="bg1"/>
+                  </a:solidFill>
+                </a:rPr>
+                <a:t>End Angle</a:t>
+              </a:r>
+            </a:p>
+            <a:p>
+              <a:endParaRPr lang="en-GB" dirty="0">
+                <a:solidFill>
+                  <a:schemeClr val="bg1"/>
+                </a:solidFill>
+              </a:endParaRPr>
+            </a:p>
+          </p:txBody>
+        </p:sp>
+        <p:cxnSp>
+          <p:nvCxnSpPr>
+            <p:cNvPr id="7" name="Straight Connector 6">
+              <a:extLst>
+                <a:ext uri="{FF2B5EF4-FFF2-40B4-BE49-F238E27FC236}">
+                  <a16:creationId xmlns:a16="http://schemas.microsoft.com/office/drawing/2014/main" id="{500AA6AF-5103-4250-8592-C5CC7A9905B3}"/>
+                </a:ext>
+              </a:extLst>
+            </p:cNvPr>
+            <p:cNvCxnSpPr/>
+            <p:nvPr/>
+          </p:nvCxnSpPr>
+          <p:spPr>
+            <a:xfrm flipV="1">
+              <a:off x="6046470" y="2994660"/>
+              <a:ext cx="845820" cy="857250"/>
+            </a:xfrm>
+            <a:prstGeom prst="line">
+              <a:avLst/>
+            </a:prstGeom>
+            <a:ln w="38100">
+              <a:solidFill>
+                <a:srgbClr val="FF0000"/>
+              </a:solidFill>
+            </a:ln>
+          </p:spPr>
+          <p:style>
+            <a:lnRef idx="1">
+              <a:schemeClr val="accent1"/>
+            </a:lnRef>
+            <a:fillRef idx="0">
+              <a:schemeClr val="accent1"/>
+            </a:fillRef>
+            <a:effectRef idx="0">
+              <a:schemeClr val="accent1"/>
+            </a:effectRef>
+            <a:fontRef idx="minor">
+              <a:schemeClr val="tx1"/>
+            </a:fontRef>
+          </p:style>
+        </p:cxnSp>
+        <p:sp>
+          <p:nvSpPr>
+            <p:cNvPr id="9" name="Left Bracket 8">
+              <a:extLst>
+                <a:ext uri="{FF2B5EF4-FFF2-40B4-BE49-F238E27FC236}">
+                  <a16:creationId xmlns:a16="http://schemas.microsoft.com/office/drawing/2014/main" id="{99F7F5A2-55CD-4E29-AB80-BCE3EB9ECCE0}"/>
+                </a:ext>
+              </a:extLst>
+            </p:cNvPr>
+            <p:cNvSpPr/>
+            <p:nvPr/>
+          </p:nvSpPr>
+          <p:spPr>
+            <a:xfrm>
+              <a:off x="6892290" y="2228850"/>
+              <a:ext cx="125730" cy="1463040"/>
+            </a:xfrm>
+            <a:prstGeom prst="leftBracket">
+              <a:avLst>
+                <a:gd name="adj" fmla="val 99510"/>
+              </a:avLst>
+            </a:prstGeom>
+            <a:ln w="28575">
+              <a:solidFill>
+                <a:srgbClr val="FF0000"/>
+              </a:solidFill>
+            </a:ln>
+          </p:spPr>
+          <p:style>
+            <a:lnRef idx="1">
+              <a:schemeClr val="accent1"/>
+            </a:lnRef>
+            <a:fillRef idx="0">
+              <a:schemeClr val="accent1"/>
+            </a:fillRef>
+            <a:effectRef idx="0">
+              <a:schemeClr val="accent1"/>
+            </a:effectRef>
+            <a:fontRef idx="minor">
+              <a:schemeClr val="tx1"/>
+            </a:fontRef>
+          </p:style>
+          <p:txBody>
+            <a:bodyPr rtlCol="0" anchor="ctr"/>
+            <a:lstStyle/>
+            <a:p>
+              <a:pPr algn="ctr"/>
+              <a:endParaRPr lang="en-GB"/>
+            </a:p>
+          </p:txBody>
+        </p:sp>
+      </p:grpSp>
+      <p:cxnSp>
+        <p:nvCxnSpPr>
+          <p:cNvPr id="13" name="Straight Connector 12">
+            <a:extLst>
+              <a:ext uri="{FF2B5EF4-FFF2-40B4-BE49-F238E27FC236}">
+                <a16:creationId xmlns:a16="http://schemas.microsoft.com/office/drawing/2014/main" id="{BA9D6701-CE93-4F77-A214-9C6E52344793}"/>
+              </a:ext>
+            </a:extLst>
+          </p:cNvPr>
+          <p:cNvCxnSpPr/>
+          <p:nvPr/>
+        </p:nvCxnSpPr>
+        <p:spPr>
+          <a:xfrm>
+            <a:off x="8336150" y="5280660"/>
+            <a:ext cx="661094" cy="0"/>
+          </a:xfrm>
+          <a:prstGeom prst="line">
+            <a:avLst/>
+          </a:prstGeom>
+          <a:ln w="28575">
+            <a:solidFill>
+              <a:schemeClr val="tx1"/>
+            </a:solidFill>
+          </a:ln>
+        </p:spPr>
+        <p:style>
+          <a:lnRef idx="1">
+            <a:schemeClr val="accent1"/>
+          </a:lnRef>
+          <a:fillRef idx="0">
+            <a:schemeClr val="accent1"/>
+          </a:fillRef>
+          <a:effectRef idx="0">
+            <a:schemeClr val="accent1"/>
+          </a:effectRef>
+          <a:fontRef idx="minor">
+            <a:schemeClr val="tx1"/>
+          </a:fontRef>
+        </p:style>
+      </p:cxnSp>
     </p:spTree>
     <p:extLst>
       <p:ext uri="{BB962C8B-B14F-4D97-AF65-F5344CB8AC3E}">
@@ -4199,6 +4712,81 @@
   <p:clrMapOvr>
     <a:masterClrMapping/>
   </p:clrMapOvr>
+  <p:timing>
+    <p:tnLst>
+      <p:par>
+        <p:cTn id="1" dur="indefinite" restart="never" nodeType="tmRoot">
+          <p:childTnLst>
+            <p:seq concurrent="1" nextAc="seek">
+              <p:cTn id="2" dur="indefinite" nodeType="mainSeq">
+                <p:childTnLst>
+                  <p:par>
+                    <p:cTn id="3" fill="hold">
+                      <p:stCondLst>
+                        <p:cond delay="indefinite"/>
+                      </p:stCondLst>
+                      <p:childTnLst>
+                        <p:par>
+                          <p:cTn id="4" fill="hold">
+                            <p:stCondLst>
+                              <p:cond delay="0"/>
+                            </p:stCondLst>
+                            <p:childTnLst>
+                              <p:par>
+                                <p:cTn id="5" presetID="1" presetClass="entr" presetSubtype="0" fill="hold" nodeType="clickEffect">
+                                  <p:stCondLst>
+                                    <p:cond delay="0"/>
+                                  </p:stCondLst>
+                                  <p:childTnLst>
+                                    <p:set>
+                                      <p:cBhvr>
+                                        <p:cTn id="6" dur="1" fill="hold">
+                                          <p:stCondLst>
+                                            <p:cond delay="0"/>
+                                          </p:stCondLst>
+                                        </p:cTn>
+                                        <p:tgtEl>
+                                          <p:spTgt spid="10"/>
+                                        </p:tgtEl>
+                                        <p:attrNameLst>
+                                          <p:attrName>style.visibility</p:attrName>
+                                        </p:attrNameLst>
+                                      </p:cBhvr>
+                                      <p:to>
+                                        <p:strVal val="visible"/>
+                                      </p:to>
+                                    </p:set>
+                                  </p:childTnLst>
+                                </p:cTn>
+                              </p:par>
+                            </p:childTnLst>
+                          </p:cTn>
+                        </p:par>
+                      </p:childTnLst>
+                    </p:cTn>
+                  </p:par>
+                </p:childTnLst>
+              </p:cTn>
+              <p:prevCondLst>
+                <p:cond evt="onPrev" delay="0">
+                  <p:tgtEl>
+                    <p:sldTgt/>
+                  </p:tgtEl>
+                </p:cond>
+              </p:prevCondLst>
+              <p:nextCondLst>
+                <p:cond evt="onNext" delay="0">
+                  <p:tgtEl>
+                    <p:sldTgt/>
+                  </p:tgtEl>
+                </p:cond>
+              </p:nextCondLst>
+            </p:seq>
+          </p:childTnLst>
+        </p:cTn>
+      </p:par>
+    </p:tnLst>
+  </p:timing>
 </p:sld>
 </file>
 
@@ -4668,7 +5256,15 @@
           <a:p>
             <a:r>
               <a:rPr lang="en-GB" dirty="0"/>
-              <a:t>Other versions work very differently !!!!</a:t>
+              <a:t>Other </a:t>
+            </a:r>
+            <a:r>
+              <a:rPr lang="en-GB"/>
+              <a:t>versions can work </a:t>
+            </a:r>
+            <a:r>
+              <a:rPr lang="en-GB" dirty="0"/>
+              <a:t>very differently !!!!</a:t>
             </a:r>
           </a:p>
           <a:p>
